--- a/resources/PRISMATIC Framework.pptx
+++ b/resources/PRISMATIC Framework.pptx
@@ -197,7 +197,7 @@
           <a:p>
             <a:fld id="{4DA2EFA7-1B29-B343-8D1B-D773ABB89428}" type="datetimeFigureOut">
               <a:rPr kumimoji="1" lang="zh-CN" altLang="en-US" smtClean="0"/>
-              <a:t>2025/5/8</a:t>
+              <a:t>2025/5/9</a:t>
             </a:fld>
             <a:endParaRPr kumimoji="1" lang="zh-CN" altLang="en-US"/>
           </a:p>
@@ -695,7 +695,7 @@
           <a:p>
             <a:fld id="{919C6643-B41F-1A45-90B5-E73987E7CF5B}" type="datetimeFigureOut">
               <a:rPr kumimoji="1" lang="zh-CN" altLang="en-US" smtClean="0"/>
-              <a:t>2025/5/8</a:t>
+              <a:t>2025/5/9</a:t>
             </a:fld>
             <a:endParaRPr kumimoji="1" lang="zh-CN" altLang="en-US"/>
           </a:p>
@@ -893,7 +893,7 @@
           <a:p>
             <a:fld id="{919C6643-B41F-1A45-90B5-E73987E7CF5B}" type="datetimeFigureOut">
               <a:rPr kumimoji="1" lang="zh-CN" altLang="en-US" smtClean="0"/>
-              <a:t>2025/5/8</a:t>
+              <a:t>2025/5/9</a:t>
             </a:fld>
             <a:endParaRPr kumimoji="1" lang="zh-CN" altLang="en-US"/>
           </a:p>
@@ -1101,7 +1101,7 @@
           <a:p>
             <a:fld id="{919C6643-B41F-1A45-90B5-E73987E7CF5B}" type="datetimeFigureOut">
               <a:rPr kumimoji="1" lang="zh-CN" altLang="en-US" smtClean="0"/>
-              <a:t>2025/5/8</a:t>
+              <a:t>2025/5/9</a:t>
             </a:fld>
             <a:endParaRPr kumimoji="1" lang="zh-CN" altLang="en-US"/>
           </a:p>
@@ -1299,7 +1299,7 @@
           <a:p>
             <a:fld id="{919C6643-B41F-1A45-90B5-E73987E7CF5B}" type="datetimeFigureOut">
               <a:rPr kumimoji="1" lang="zh-CN" altLang="en-US" smtClean="0"/>
-              <a:t>2025/5/8</a:t>
+              <a:t>2025/5/9</a:t>
             </a:fld>
             <a:endParaRPr kumimoji="1" lang="zh-CN" altLang="en-US"/>
           </a:p>
@@ -1574,7 +1574,7 @@
           <a:p>
             <a:fld id="{919C6643-B41F-1A45-90B5-E73987E7CF5B}" type="datetimeFigureOut">
               <a:rPr kumimoji="1" lang="zh-CN" altLang="en-US" smtClean="0"/>
-              <a:t>2025/5/8</a:t>
+              <a:t>2025/5/9</a:t>
             </a:fld>
             <a:endParaRPr kumimoji="1" lang="zh-CN" altLang="en-US"/>
           </a:p>
@@ -1839,7 +1839,7 @@
           <a:p>
             <a:fld id="{919C6643-B41F-1A45-90B5-E73987E7CF5B}" type="datetimeFigureOut">
               <a:rPr kumimoji="1" lang="zh-CN" altLang="en-US" smtClean="0"/>
-              <a:t>2025/5/8</a:t>
+              <a:t>2025/5/9</a:t>
             </a:fld>
             <a:endParaRPr kumimoji="1" lang="zh-CN" altLang="en-US"/>
           </a:p>
@@ -2251,7 +2251,7 @@
           <a:p>
             <a:fld id="{919C6643-B41F-1A45-90B5-E73987E7CF5B}" type="datetimeFigureOut">
               <a:rPr kumimoji="1" lang="zh-CN" altLang="en-US" smtClean="0"/>
-              <a:t>2025/5/8</a:t>
+              <a:t>2025/5/9</a:t>
             </a:fld>
             <a:endParaRPr kumimoji="1" lang="zh-CN" altLang="en-US"/>
           </a:p>
@@ -2392,7 +2392,7 @@
           <a:p>
             <a:fld id="{919C6643-B41F-1A45-90B5-E73987E7CF5B}" type="datetimeFigureOut">
               <a:rPr kumimoji="1" lang="zh-CN" altLang="en-US" smtClean="0"/>
-              <a:t>2025/5/8</a:t>
+              <a:t>2025/5/9</a:t>
             </a:fld>
             <a:endParaRPr kumimoji="1" lang="zh-CN" altLang="en-US"/>
           </a:p>
@@ -2505,7 +2505,7 @@
           <a:p>
             <a:fld id="{919C6643-B41F-1A45-90B5-E73987E7CF5B}" type="datetimeFigureOut">
               <a:rPr kumimoji="1" lang="zh-CN" altLang="en-US" smtClean="0"/>
-              <a:t>2025/5/8</a:t>
+              <a:t>2025/5/9</a:t>
             </a:fld>
             <a:endParaRPr kumimoji="1" lang="zh-CN" altLang="en-US"/>
           </a:p>
@@ -2816,7 +2816,7 @@
           <a:p>
             <a:fld id="{919C6643-B41F-1A45-90B5-E73987E7CF5B}" type="datetimeFigureOut">
               <a:rPr kumimoji="1" lang="zh-CN" altLang="en-US" smtClean="0"/>
-              <a:t>2025/5/8</a:t>
+              <a:t>2025/5/9</a:t>
             </a:fld>
             <a:endParaRPr kumimoji="1" lang="zh-CN" altLang="en-US"/>
           </a:p>
@@ -3104,7 +3104,7 @@
           <a:p>
             <a:fld id="{919C6643-B41F-1A45-90B5-E73987E7CF5B}" type="datetimeFigureOut">
               <a:rPr kumimoji="1" lang="zh-CN" altLang="en-US" smtClean="0"/>
-              <a:t>2025/5/8</a:t>
+              <a:t>2025/5/9</a:t>
             </a:fld>
             <a:endParaRPr kumimoji="1" lang="zh-CN" altLang="en-US"/>
           </a:p>
@@ -3345,7 +3345,7 @@
           <a:p>
             <a:fld id="{919C6643-B41F-1A45-90B5-E73987E7CF5B}" type="datetimeFigureOut">
               <a:rPr kumimoji="1" lang="zh-CN" altLang="en-US" smtClean="0"/>
-              <a:t>2025/5/8</a:t>
+              <a:t>2025/5/9</a:t>
             </a:fld>
             <a:endParaRPr kumimoji="1" lang="zh-CN" altLang="en-US"/>
           </a:p>
@@ -3779,514 +3779,9 @@
             <a:off x="1159933" y="8433"/>
             <a:ext cx="9474200" cy="5558749"/>
           </a:xfrm>
-          <a:custGeom>
+          <a:prstGeom prst="diamond">
             <a:avLst/>
-            <a:gdLst>
-              <a:gd name="connsiteX0" fmla="*/ 0 w 9474200"/>
-              <a:gd name="connsiteY0" fmla="*/ 2779375 h 5558749"/>
-              <a:gd name="connsiteX1" fmla="*/ 544767 w 9474200"/>
-              <a:gd name="connsiteY1" fmla="*/ 2459747 h 5558749"/>
-              <a:gd name="connsiteX2" fmla="*/ 1042162 w 9474200"/>
-              <a:gd name="connsiteY2" fmla="*/ 2167913 h 5558749"/>
-              <a:gd name="connsiteX3" fmla="*/ 1634299 w 9474200"/>
-              <a:gd name="connsiteY3" fmla="*/ 1820491 h 5558749"/>
-              <a:gd name="connsiteX4" fmla="*/ 2179066 w 9474200"/>
-              <a:gd name="connsiteY4" fmla="*/ 1500863 h 5558749"/>
-              <a:gd name="connsiteX5" fmla="*/ 2865946 w 9474200"/>
-              <a:gd name="connsiteY5" fmla="*/ 1097853 h 5558749"/>
-              <a:gd name="connsiteX6" fmla="*/ 3363341 w 9474200"/>
-              <a:gd name="connsiteY6" fmla="*/ 806019 h 5558749"/>
-              <a:gd name="connsiteX7" fmla="*/ 3908108 w 9474200"/>
-              <a:gd name="connsiteY7" fmla="*/ 486391 h 5558749"/>
-              <a:gd name="connsiteX8" fmla="*/ 4737100 w 9474200"/>
-              <a:gd name="connsiteY8" fmla="*/ 0 h 5558749"/>
-              <a:gd name="connsiteX9" fmla="*/ 5423980 w 9474200"/>
-              <a:gd name="connsiteY9" fmla="*/ 403009 h 5558749"/>
-              <a:gd name="connsiteX10" fmla="*/ 6110859 w 9474200"/>
-              <a:gd name="connsiteY10" fmla="*/ 806019 h 5558749"/>
-              <a:gd name="connsiteX11" fmla="*/ 6608255 w 9474200"/>
-              <a:gd name="connsiteY11" fmla="*/ 1097853 h 5558749"/>
-              <a:gd name="connsiteX12" fmla="*/ 7105650 w 9474200"/>
-              <a:gd name="connsiteY12" fmla="*/ 1389687 h 5558749"/>
-              <a:gd name="connsiteX13" fmla="*/ 7697788 w 9474200"/>
-              <a:gd name="connsiteY13" fmla="*/ 1737109 h 5558749"/>
-              <a:gd name="connsiteX14" fmla="*/ 8242554 w 9474200"/>
-              <a:gd name="connsiteY14" fmla="*/ 2056738 h 5558749"/>
-              <a:gd name="connsiteX15" fmla="*/ 8882063 w 9474200"/>
-              <a:gd name="connsiteY15" fmla="*/ 2431953 h 5558749"/>
-              <a:gd name="connsiteX16" fmla="*/ 9474200 w 9474200"/>
-              <a:gd name="connsiteY16" fmla="*/ 2779375 h 5558749"/>
-              <a:gd name="connsiteX17" fmla="*/ 8929434 w 9474200"/>
-              <a:gd name="connsiteY17" fmla="*/ 3099003 h 5558749"/>
-              <a:gd name="connsiteX18" fmla="*/ 8242554 w 9474200"/>
-              <a:gd name="connsiteY18" fmla="*/ 3502012 h 5558749"/>
-              <a:gd name="connsiteX19" fmla="*/ 7697788 w 9474200"/>
-              <a:gd name="connsiteY19" fmla="*/ 3821640 h 5558749"/>
-              <a:gd name="connsiteX20" fmla="*/ 7247763 w 9474200"/>
-              <a:gd name="connsiteY20" fmla="*/ 4085681 h 5558749"/>
-              <a:gd name="connsiteX21" fmla="*/ 6750368 w 9474200"/>
-              <a:gd name="connsiteY21" fmla="*/ 4377515 h 5558749"/>
-              <a:gd name="connsiteX22" fmla="*/ 6252972 w 9474200"/>
-              <a:gd name="connsiteY22" fmla="*/ 4669349 h 5558749"/>
-              <a:gd name="connsiteX23" fmla="*/ 5755577 w 9474200"/>
-              <a:gd name="connsiteY23" fmla="*/ 4961184 h 5558749"/>
-              <a:gd name="connsiteX24" fmla="*/ 4737100 w 9474200"/>
-              <a:gd name="connsiteY24" fmla="*/ 5558749 h 5558749"/>
-              <a:gd name="connsiteX25" fmla="*/ 4144963 w 9474200"/>
-              <a:gd name="connsiteY25" fmla="*/ 5211327 h 5558749"/>
-              <a:gd name="connsiteX26" fmla="*/ 3694938 w 9474200"/>
-              <a:gd name="connsiteY26" fmla="*/ 4947287 h 5558749"/>
-              <a:gd name="connsiteX27" fmla="*/ 3197543 w 9474200"/>
-              <a:gd name="connsiteY27" fmla="*/ 4655452 h 5558749"/>
-              <a:gd name="connsiteX28" fmla="*/ 2605405 w 9474200"/>
-              <a:gd name="connsiteY28" fmla="*/ 4308031 h 5558749"/>
-              <a:gd name="connsiteX29" fmla="*/ 2013268 w 9474200"/>
-              <a:gd name="connsiteY29" fmla="*/ 3960609 h 5558749"/>
-              <a:gd name="connsiteX30" fmla="*/ 1563243 w 9474200"/>
-              <a:gd name="connsiteY30" fmla="*/ 3696568 h 5558749"/>
-              <a:gd name="connsiteX31" fmla="*/ 1018477 w 9474200"/>
-              <a:gd name="connsiteY31" fmla="*/ 3376940 h 5558749"/>
-              <a:gd name="connsiteX32" fmla="*/ 0 w 9474200"/>
-              <a:gd name="connsiteY32" fmla="*/ 2779375 h 5558749"/>
-            </a:gdLst>
-            <a:ahLst/>
-            <a:cxnLst>
-              <a:cxn ang="0">
-                <a:pos x="connsiteX0" y="connsiteY0"/>
-              </a:cxn>
-              <a:cxn ang="0">
-                <a:pos x="connsiteX1" y="connsiteY1"/>
-              </a:cxn>
-              <a:cxn ang="0">
-                <a:pos x="connsiteX2" y="connsiteY2"/>
-              </a:cxn>
-              <a:cxn ang="0">
-                <a:pos x="connsiteX3" y="connsiteY3"/>
-              </a:cxn>
-              <a:cxn ang="0">
-                <a:pos x="connsiteX4" y="connsiteY4"/>
-              </a:cxn>
-              <a:cxn ang="0">
-                <a:pos x="connsiteX5" y="connsiteY5"/>
-              </a:cxn>
-              <a:cxn ang="0">
-                <a:pos x="connsiteX6" y="connsiteY6"/>
-              </a:cxn>
-              <a:cxn ang="0">
-                <a:pos x="connsiteX7" y="connsiteY7"/>
-              </a:cxn>
-              <a:cxn ang="0">
-                <a:pos x="connsiteX8" y="connsiteY8"/>
-              </a:cxn>
-              <a:cxn ang="0">
-                <a:pos x="connsiteX9" y="connsiteY9"/>
-              </a:cxn>
-              <a:cxn ang="0">
-                <a:pos x="connsiteX10" y="connsiteY10"/>
-              </a:cxn>
-              <a:cxn ang="0">
-                <a:pos x="connsiteX11" y="connsiteY11"/>
-              </a:cxn>
-              <a:cxn ang="0">
-                <a:pos x="connsiteX12" y="connsiteY12"/>
-              </a:cxn>
-              <a:cxn ang="0">
-                <a:pos x="connsiteX13" y="connsiteY13"/>
-              </a:cxn>
-              <a:cxn ang="0">
-                <a:pos x="connsiteX14" y="connsiteY14"/>
-              </a:cxn>
-              <a:cxn ang="0">
-                <a:pos x="connsiteX15" y="connsiteY15"/>
-              </a:cxn>
-              <a:cxn ang="0">
-                <a:pos x="connsiteX16" y="connsiteY16"/>
-              </a:cxn>
-              <a:cxn ang="0">
-                <a:pos x="connsiteX17" y="connsiteY17"/>
-              </a:cxn>
-              <a:cxn ang="0">
-                <a:pos x="connsiteX18" y="connsiteY18"/>
-              </a:cxn>
-              <a:cxn ang="0">
-                <a:pos x="connsiteX19" y="connsiteY19"/>
-              </a:cxn>
-              <a:cxn ang="0">
-                <a:pos x="connsiteX20" y="connsiteY20"/>
-              </a:cxn>
-              <a:cxn ang="0">
-                <a:pos x="connsiteX21" y="connsiteY21"/>
-              </a:cxn>
-              <a:cxn ang="0">
-                <a:pos x="connsiteX22" y="connsiteY22"/>
-              </a:cxn>
-              <a:cxn ang="0">
-                <a:pos x="connsiteX23" y="connsiteY23"/>
-              </a:cxn>
-              <a:cxn ang="0">
-                <a:pos x="connsiteX24" y="connsiteY24"/>
-              </a:cxn>
-              <a:cxn ang="0">
-                <a:pos x="connsiteX25" y="connsiteY25"/>
-              </a:cxn>
-              <a:cxn ang="0">
-                <a:pos x="connsiteX26" y="connsiteY26"/>
-              </a:cxn>
-              <a:cxn ang="0">
-                <a:pos x="connsiteX27" y="connsiteY27"/>
-              </a:cxn>
-              <a:cxn ang="0">
-                <a:pos x="connsiteX28" y="connsiteY28"/>
-              </a:cxn>
-              <a:cxn ang="0">
-                <a:pos x="connsiteX29" y="connsiteY29"/>
-              </a:cxn>
-              <a:cxn ang="0">
-                <a:pos x="connsiteX30" y="connsiteY30"/>
-              </a:cxn>
-              <a:cxn ang="0">
-                <a:pos x="connsiteX31" y="connsiteY31"/>
-              </a:cxn>
-              <a:cxn ang="0">
-                <a:pos x="connsiteX32" y="connsiteY32"/>
-              </a:cxn>
-            </a:cxnLst>
-            <a:rect l="l" t="t" r="r" b="b"/>
-            <a:pathLst>
-              <a:path w="9474200" h="5558749" fill="none" extrusionOk="0">
-                <a:moveTo>
-                  <a:pt x="0" y="2779375"/>
-                </a:moveTo>
-                <a:cubicBezTo>
-                  <a:pt x="223987" y="2637690"/>
-                  <a:pt x="416134" y="2524925"/>
-                  <a:pt x="544767" y="2459747"/>
-                </a:cubicBezTo>
-                <a:cubicBezTo>
-                  <a:pt x="673400" y="2394569"/>
-                  <a:pt x="800929" y="2278850"/>
-                  <a:pt x="1042162" y="2167913"/>
-                </a:cubicBezTo>
-                <a:cubicBezTo>
-                  <a:pt x="1283395" y="2056976"/>
-                  <a:pt x="1427732" y="1956057"/>
-                  <a:pt x="1634299" y="1820491"/>
-                </a:cubicBezTo>
-                <a:cubicBezTo>
-                  <a:pt x="1840866" y="1684926"/>
-                  <a:pt x="2036727" y="1569205"/>
-                  <a:pt x="2179066" y="1500863"/>
-                </a:cubicBezTo>
-                <a:cubicBezTo>
-                  <a:pt x="2321405" y="1432521"/>
-                  <a:pt x="2669452" y="1219486"/>
-                  <a:pt x="2865946" y="1097853"/>
-                </a:cubicBezTo>
-                <a:cubicBezTo>
-                  <a:pt x="3062440" y="976221"/>
-                  <a:pt x="3244074" y="885302"/>
-                  <a:pt x="3363341" y="806019"/>
-                </a:cubicBezTo>
-                <a:cubicBezTo>
-                  <a:pt x="3482608" y="726736"/>
-                  <a:pt x="3652369" y="657547"/>
-                  <a:pt x="3908108" y="486391"/>
-                </a:cubicBezTo>
-                <a:cubicBezTo>
-                  <a:pt x="4163846" y="315234"/>
-                  <a:pt x="4339487" y="263367"/>
-                  <a:pt x="4737100" y="0"/>
-                </a:cubicBezTo>
-                <a:cubicBezTo>
-                  <a:pt x="5047674" y="213628"/>
-                  <a:pt x="5201189" y="318214"/>
-                  <a:pt x="5423980" y="403009"/>
-                </a:cubicBezTo>
-                <a:cubicBezTo>
-                  <a:pt x="5646771" y="487805"/>
-                  <a:pt x="5836613" y="608681"/>
-                  <a:pt x="6110859" y="806019"/>
-                </a:cubicBezTo>
-                <a:cubicBezTo>
-                  <a:pt x="6385105" y="1003357"/>
-                  <a:pt x="6430137" y="965930"/>
-                  <a:pt x="6608255" y="1097853"/>
-                </a:cubicBezTo>
-                <a:cubicBezTo>
-                  <a:pt x="6786372" y="1229776"/>
-                  <a:pt x="6930667" y="1293563"/>
-                  <a:pt x="7105650" y="1389687"/>
-                </a:cubicBezTo>
-                <a:cubicBezTo>
-                  <a:pt x="7280633" y="1485811"/>
-                  <a:pt x="7561497" y="1674755"/>
-                  <a:pt x="7697788" y="1737109"/>
-                </a:cubicBezTo>
-                <a:cubicBezTo>
-                  <a:pt x="7834079" y="1799464"/>
-                  <a:pt x="7977755" y="1887974"/>
-                  <a:pt x="8242554" y="2056738"/>
-                </a:cubicBezTo>
-                <a:cubicBezTo>
-                  <a:pt x="8507353" y="2225502"/>
-                  <a:pt x="8654542" y="2265535"/>
-                  <a:pt x="8882063" y="2431953"/>
-                </a:cubicBezTo>
-                <a:cubicBezTo>
-                  <a:pt x="9109584" y="2598371"/>
-                  <a:pt x="9269120" y="2656050"/>
-                  <a:pt x="9474200" y="2779375"/>
-                </a:cubicBezTo>
-                <a:cubicBezTo>
-                  <a:pt x="9301342" y="2856599"/>
-                  <a:pt x="9190214" y="2943607"/>
-                  <a:pt x="8929434" y="3099003"/>
-                </a:cubicBezTo>
-                <a:cubicBezTo>
-                  <a:pt x="8668654" y="3254398"/>
-                  <a:pt x="8441464" y="3417808"/>
-                  <a:pt x="8242554" y="3502012"/>
-                </a:cubicBezTo>
-                <a:cubicBezTo>
-                  <a:pt x="8043644" y="3586216"/>
-                  <a:pt x="7959628" y="3679103"/>
-                  <a:pt x="7697788" y="3821640"/>
-                </a:cubicBezTo>
-                <a:cubicBezTo>
-                  <a:pt x="7435948" y="3964177"/>
-                  <a:pt x="7437396" y="3986108"/>
-                  <a:pt x="7247763" y="4085681"/>
-                </a:cubicBezTo>
-                <a:cubicBezTo>
-                  <a:pt x="7058130" y="4185254"/>
-                  <a:pt x="6951804" y="4249375"/>
-                  <a:pt x="6750368" y="4377515"/>
-                </a:cubicBezTo>
-                <a:cubicBezTo>
-                  <a:pt x="6548932" y="4505655"/>
-                  <a:pt x="6379389" y="4625035"/>
-                  <a:pt x="6252972" y="4669349"/>
-                </a:cubicBezTo>
-                <a:cubicBezTo>
-                  <a:pt x="6126555" y="4713663"/>
-                  <a:pt x="5889201" y="4883681"/>
-                  <a:pt x="5755577" y="4961184"/>
-                </a:cubicBezTo>
-                <a:cubicBezTo>
-                  <a:pt x="5621953" y="5038687"/>
-                  <a:pt x="5138163" y="5386542"/>
-                  <a:pt x="4737100" y="5558749"/>
-                </a:cubicBezTo>
-                <a:cubicBezTo>
-                  <a:pt x="4597008" y="5510169"/>
-                  <a:pt x="4314101" y="5315748"/>
-                  <a:pt x="4144963" y="5211327"/>
-                </a:cubicBezTo>
-                <a:cubicBezTo>
-                  <a:pt x="3975824" y="5106906"/>
-                  <a:pt x="3867253" y="5047404"/>
-                  <a:pt x="3694938" y="4947287"/>
-                </a:cubicBezTo>
-                <a:cubicBezTo>
-                  <a:pt x="3522624" y="4847169"/>
-                  <a:pt x="3325810" y="4733834"/>
-                  <a:pt x="3197543" y="4655452"/>
-                </a:cubicBezTo>
-                <a:cubicBezTo>
-                  <a:pt x="3069276" y="4577071"/>
-                  <a:pt x="2770841" y="4414151"/>
-                  <a:pt x="2605405" y="4308031"/>
-                </a:cubicBezTo>
-                <a:cubicBezTo>
-                  <a:pt x="2439969" y="4201911"/>
-                  <a:pt x="2190884" y="4100538"/>
-                  <a:pt x="2013268" y="3960609"/>
-                </a:cubicBezTo>
-                <a:cubicBezTo>
-                  <a:pt x="1835652" y="3820680"/>
-                  <a:pt x="1774890" y="3797824"/>
-                  <a:pt x="1563243" y="3696568"/>
-                </a:cubicBezTo>
-                <a:cubicBezTo>
-                  <a:pt x="1351597" y="3595312"/>
-                  <a:pt x="1284033" y="3544298"/>
-                  <a:pt x="1018477" y="3376940"/>
-                </a:cubicBezTo>
-                <a:cubicBezTo>
-                  <a:pt x="752920" y="3209582"/>
-                  <a:pt x="441266" y="3021890"/>
-                  <a:pt x="0" y="2779375"/>
-                </a:cubicBezTo>
-                <a:close/>
-              </a:path>
-              <a:path w="9474200" h="5558749" stroke="0" extrusionOk="0">
-                <a:moveTo>
-                  <a:pt x="0" y="2779375"/>
-                </a:moveTo>
-                <a:cubicBezTo>
-                  <a:pt x="158441" y="2693527"/>
-                  <a:pt x="426691" y="2566163"/>
-                  <a:pt x="686880" y="2376366"/>
-                </a:cubicBezTo>
-                <a:cubicBezTo>
-                  <a:pt x="947069" y="2186568"/>
-                  <a:pt x="992098" y="2217618"/>
-                  <a:pt x="1279017" y="2028944"/>
-                </a:cubicBezTo>
-                <a:cubicBezTo>
-                  <a:pt x="1565936" y="1840270"/>
-                  <a:pt x="1665251" y="1810834"/>
-                  <a:pt x="1776413" y="1737109"/>
-                </a:cubicBezTo>
-                <a:cubicBezTo>
-                  <a:pt x="1887575" y="1663384"/>
-                  <a:pt x="2180006" y="1495446"/>
-                  <a:pt x="2368550" y="1389688"/>
-                </a:cubicBezTo>
-                <a:cubicBezTo>
-                  <a:pt x="2557094" y="1283930"/>
-                  <a:pt x="2925583" y="1091054"/>
-                  <a:pt x="3055430" y="986678"/>
-                </a:cubicBezTo>
-                <a:cubicBezTo>
-                  <a:pt x="3185277" y="882302"/>
-                  <a:pt x="3356090" y="841022"/>
-                  <a:pt x="3552825" y="694844"/>
-                </a:cubicBezTo>
-                <a:cubicBezTo>
-                  <a:pt x="3749560" y="548666"/>
-                  <a:pt x="3803960" y="570065"/>
-                  <a:pt x="4002850" y="430803"/>
-                </a:cubicBezTo>
-                <a:cubicBezTo>
-                  <a:pt x="4201740" y="291541"/>
-                  <a:pt x="4581073" y="101231"/>
-                  <a:pt x="4737100" y="0"/>
-                </a:cubicBezTo>
-                <a:cubicBezTo>
-                  <a:pt x="4948304" y="140037"/>
-                  <a:pt x="5148248" y="212468"/>
-                  <a:pt x="5329238" y="347422"/>
-                </a:cubicBezTo>
-                <a:cubicBezTo>
-                  <a:pt x="5510228" y="482376"/>
-                  <a:pt x="5798379" y="613426"/>
-                  <a:pt x="5968746" y="722638"/>
-                </a:cubicBezTo>
-                <a:cubicBezTo>
-                  <a:pt x="6139113" y="831849"/>
-                  <a:pt x="6260710" y="915864"/>
-                  <a:pt x="6513513" y="1042266"/>
-                </a:cubicBezTo>
-                <a:cubicBezTo>
-                  <a:pt x="6766316" y="1168668"/>
-                  <a:pt x="6945212" y="1288346"/>
-                  <a:pt x="7058279" y="1361894"/>
-                </a:cubicBezTo>
-                <a:cubicBezTo>
-                  <a:pt x="7171346" y="1435442"/>
-                  <a:pt x="7463247" y="1605588"/>
-                  <a:pt x="7697788" y="1737109"/>
-                </a:cubicBezTo>
-                <a:cubicBezTo>
-                  <a:pt x="7932329" y="1868631"/>
-                  <a:pt x="8035554" y="1955931"/>
-                  <a:pt x="8242554" y="2056738"/>
-                </a:cubicBezTo>
-                <a:cubicBezTo>
-                  <a:pt x="8449554" y="2157545"/>
-                  <a:pt x="8576051" y="2285403"/>
-                  <a:pt x="8739950" y="2348572"/>
-                </a:cubicBezTo>
-                <a:cubicBezTo>
-                  <a:pt x="8903849" y="2411741"/>
-                  <a:pt x="9229169" y="2629534"/>
-                  <a:pt x="9474200" y="2779375"/>
-                </a:cubicBezTo>
-                <a:cubicBezTo>
-                  <a:pt x="9315132" y="2871406"/>
-                  <a:pt x="9066245" y="3018535"/>
-                  <a:pt x="8929434" y="3099003"/>
-                </a:cubicBezTo>
-                <a:cubicBezTo>
-                  <a:pt x="8792623" y="3179471"/>
-                  <a:pt x="8578743" y="3323947"/>
-                  <a:pt x="8337296" y="3446425"/>
-                </a:cubicBezTo>
-                <a:cubicBezTo>
-                  <a:pt x="8095849" y="3568902"/>
-                  <a:pt x="7987379" y="3622858"/>
-                  <a:pt x="7887272" y="3710465"/>
-                </a:cubicBezTo>
-                <a:cubicBezTo>
-                  <a:pt x="7787165" y="3798073"/>
-                  <a:pt x="7413905" y="3965735"/>
-                  <a:pt x="7295134" y="4057887"/>
-                </a:cubicBezTo>
-                <a:cubicBezTo>
-                  <a:pt x="7176363" y="4150039"/>
-                  <a:pt x="6924871" y="4259654"/>
-                  <a:pt x="6608255" y="4460896"/>
-                </a:cubicBezTo>
-                <a:cubicBezTo>
-                  <a:pt x="6291639" y="4662138"/>
-                  <a:pt x="6247655" y="4642455"/>
-                  <a:pt x="5921375" y="4863906"/>
-                </a:cubicBezTo>
-                <a:cubicBezTo>
-                  <a:pt x="5595095" y="5085357"/>
-                  <a:pt x="5597315" y="5033708"/>
-                  <a:pt x="5329238" y="5211327"/>
-                </a:cubicBezTo>
-                <a:cubicBezTo>
-                  <a:pt x="5061161" y="5388946"/>
-                  <a:pt x="4955340" y="5464455"/>
-                  <a:pt x="4737100" y="5558749"/>
-                </a:cubicBezTo>
-                <a:cubicBezTo>
-                  <a:pt x="4556758" y="5461217"/>
-                  <a:pt x="4214883" y="5285696"/>
-                  <a:pt x="4097592" y="5183534"/>
-                </a:cubicBezTo>
-                <a:cubicBezTo>
-                  <a:pt x="3980301" y="5081372"/>
-                  <a:pt x="3625237" y="4878792"/>
-                  <a:pt x="3410712" y="4780524"/>
-                </a:cubicBezTo>
-                <a:cubicBezTo>
-                  <a:pt x="3196187" y="4682256"/>
-                  <a:pt x="2966307" y="4555120"/>
-                  <a:pt x="2865946" y="4460896"/>
-                </a:cubicBezTo>
-                <a:cubicBezTo>
-                  <a:pt x="2765585" y="4366672"/>
-                  <a:pt x="2519613" y="4269716"/>
-                  <a:pt x="2368550" y="4169062"/>
-                </a:cubicBezTo>
-                <a:cubicBezTo>
-                  <a:pt x="2217487" y="4068407"/>
-                  <a:pt x="1932141" y="3908089"/>
-                  <a:pt x="1776413" y="3821640"/>
-                </a:cubicBezTo>
-                <a:cubicBezTo>
-                  <a:pt x="1620685" y="3735191"/>
-                  <a:pt x="1535234" y="3699144"/>
-                  <a:pt x="1326388" y="3557600"/>
-                </a:cubicBezTo>
-                <a:cubicBezTo>
-                  <a:pt x="1117543" y="3416055"/>
-                  <a:pt x="947384" y="3322013"/>
-                  <a:pt x="639509" y="3154590"/>
-                </a:cubicBezTo>
-                <a:cubicBezTo>
-                  <a:pt x="331634" y="2987167"/>
-                  <a:pt x="274427" y="2912597"/>
-                  <a:pt x="0" y="2779375"/>
-                </a:cubicBezTo>
-                <a:close/>
-              </a:path>
-            </a:pathLst>
-          </a:custGeom>
+          </a:prstGeom>
           <a:pattFill prst="openDmnd">
             <a:fgClr>
               <a:schemeClr val="accent1">
@@ -4303,11 +3798,516 @@
             <a:extLst>
               <a:ext uri="{C807C97D-BFC1-408E-A445-0C87EB9F89A2}">
                 <ask:lineSketchStyleProps xmlns:ask="http://schemas.microsoft.com/office/drawing/2018/sketchyshapes" sd="981765707">
-                  <a:prstGeom prst="diamond">
+                  <a:custGeom>
                     <a:avLst/>
-                  </a:prstGeom>
+                    <a:gdLst>
+                      <a:gd name="connsiteX0" fmla="*/ 0 w 9474200"/>
+                      <a:gd name="connsiteY0" fmla="*/ 2779375 h 5558749"/>
+                      <a:gd name="connsiteX1" fmla="*/ 544767 w 9474200"/>
+                      <a:gd name="connsiteY1" fmla="*/ 2459747 h 5558749"/>
+                      <a:gd name="connsiteX2" fmla="*/ 1042162 w 9474200"/>
+                      <a:gd name="connsiteY2" fmla="*/ 2167913 h 5558749"/>
+                      <a:gd name="connsiteX3" fmla="*/ 1634299 w 9474200"/>
+                      <a:gd name="connsiteY3" fmla="*/ 1820491 h 5558749"/>
+                      <a:gd name="connsiteX4" fmla="*/ 2179066 w 9474200"/>
+                      <a:gd name="connsiteY4" fmla="*/ 1500863 h 5558749"/>
+                      <a:gd name="connsiteX5" fmla="*/ 2865946 w 9474200"/>
+                      <a:gd name="connsiteY5" fmla="*/ 1097853 h 5558749"/>
+                      <a:gd name="connsiteX6" fmla="*/ 3363341 w 9474200"/>
+                      <a:gd name="connsiteY6" fmla="*/ 806019 h 5558749"/>
+                      <a:gd name="connsiteX7" fmla="*/ 3908108 w 9474200"/>
+                      <a:gd name="connsiteY7" fmla="*/ 486391 h 5558749"/>
+                      <a:gd name="connsiteX8" fmla="*/ 4737100 w 9474200"/>
+                      <a:gd name="connsiteY8" fmla="*/ 0 h 5558749"/>
+                      <a:gd name="connsiteX9" fmla="*/ 5423980 w 9474200"/>
+                      <a:gd name="connsiteY9" fmla="*/ 403009 h 5558749"/>
+                      <a:gd name="connsiteX10" fmla="*/ 6110859 w 9474200"/>
+                      <a:gd name="connsiteY10" fmla="*/ 806019 h 5558749"/>
+                      <a:gd name="connsiteX11" fmla="*/ 6608254 w 9474200"/>
+                      <a:gd name="connsiteY11" fmla="*/ 1097853 h 5558749"/>
+                      <a:gd name="connsiteX12" fmla="*/ 7105650 w 9474200"/>
+                      <a:gd name="connsiteY12" fmla="*/ 1389687 h 5558749"/>
+                      <a:gd name="connsiteX13" fmla="*/ 7697788 w 9474200"/>
+                      <a:gd name="connsiteY13" fmla="*/ 1737109 h 5558749"/>
+                      <a:gd name="connsiteX14" fmla="*/ 8242554 w 9474200"/>
+                      <a:gd name="connsiteY14" fmla="*/ 2056738 h 5558749"/>
+                      <a:gd name="connsiteX15" fmla="*/ 8882063 w 9474200"/>
+                      <a:gd name="connsiteY15" fmla="*/ 2431953 h 5558749"/>
+                      <a:gd name="connsiteX16" fmla="*/ 9474200 w 9474200"/>
+                      <a:gd name="connsiteY16" fmla="*/ 2779375 h 5558749"/>
+                      <a:gd name="connsiteX17" fmla="*/ 8929434 w 9474200"/>
+                      <a:gd name="connsiteY17" fmla="*/ 3099003 h 5558749"/>
+                      <a:gd name="connsiteX18" fmla="*/ 8242554 w 9474200"/>
+                      <a:gd name="connsiteY18" fmla="*/ 3502012 h 5558749"/>
+                      <a:gd name="connsiteX19" fmla="*/ 7697788 w 9474200"/>
+                      <a:gd name="connsiteY19" fmla="*/ 3821640 h 5558749"/>
+                      <a:gd name="connsiteX20" fmla="*/ 7247763 w 9474200"/>
+                      <a:gd name="connsiteY20" fmla="*/ 4085681 h 5558749"/>
+                      <a:gd name="connsiteX21" fmla="*/ 6750368 w 9474200"/>
+                      <a:gd name="connsiteY21" fmla="*/ 4377515 h 5558749"/>
+                      <a:gd name="connsiteX22" fmla="*/ 6252972 w 9474200"/>
+                      <a:gd name="connsiteY22" fmla="*/ 4669349 h 5558749"/>
+                      <a:gd name="connsiteX23" fmla="*/ 5755577 w 9474200"/>
+                      <a:gd name="connsiteY23" fmla="*/ 4961184 h 5558749"/>
+                      <a:gd name="connsiteX24" fmla="*/ 4737100 w 9474200"/>
+                      <a:gd name="connsiteY24" fmla="*/ 5558749 h 5558749"/>
+                      <a:gd name="connsiteX25" fmla="*/ 4144963 w 9474200"/>
+                      <a:gd name="connsiteY25" fmla="*/ 5211327 h 5558749"/>
+                      <a:gd name="connsiteX26" fmla="*/ 3694938 w 9474200"/>
+                      <a:gd name="connsiteY26" fmla="*/ 4947287 h 5558749"/>
+                      <a:gd name="connsiteX27" fmla="*/ 3197543 w 9474200"/>
+                      <a:gd name="connsiteY27" fmla="*/ 4655452 h 5558749"/>
+                      <a:gd name="connsiteX28" fmla="*/ 2605405 w 9474200"/>
+                      <a:gd name="connsiteY28" fmla="*/ 4308031 h 5558749"/>
+                      <a:gd name="connsiteX29" fmla="*/ 2013268 w 9474200"/>
+                      <a:gd name="connsiteY29" fmla="*/ 3960609 h 5558749"/>
+                      <a:gd name="connsiteX30" fmla="*/ 1563243 w 9474200"/>
+                      <a:gd name="connsiteY30" fmla="*/ 3696568 h 5558749"/>
+                      <a:gd name="connsiteX31" fmla="*/ 1018477 w 9474200"/>
+                      <a:gd name="connsiteY31" fmla="*/ 3376940 h 5558749"/>
+                      <a:gd name="connsiteX32" fmla="*/ 0 w 9474200"/>
+                      <a:gd name="connsiteY32" fmla="*/ 2779375 h 5558749"/>
+                    </a:gdLst>
+                    <a:ahLst/>
+                    <a:cxnLst>
+                      <a:cxn ang="0">
+                        <a:pos x="connsiteX0" y="connsiteY0"/>
+                      </a:cxn>
+                      <a:cxn ang="0">
+                        <a:pos x="connsiteX1" y="connsiteY1"/>
+                      </a:cxn>
+                      <a:cxn ang="0">
+                        <a:pos x="connsiteX2" y="connsiteY2"/>
+                      </a:cxn>
+                      <a:cxn ang="0">
+                        <a:pos x="connsiteX3" y="connsiteY3"/>
+                      </a:cxn>
+                      <a:cxn ang="0">
+                        <a:pos x="connsiteX4" y="connsiteY4"/>
+                      </a:cxn>
+                      <a:cxn ang="0">
+                        <a:pos x="connsiteX5" y="connsiteY5"/>
+                      </a:cxn>
+                      <a:cxn ang="0">
+                        <a:pos x="connsiteX6" y="connsiteY6"/>
+                      </a:cxn>
+                      <a:cxn ang="0">
+                        <a:pos x="connsiteX7" y="connsiteY7"/>
+                      </a:cxn>
+                      <a:cxn ang="0">
+                        <a:pos x="connsiteX8" y="connsiteY8"/>
+                      </a:cxn>
+                      <a:cxn ang="0">
+                        <a:pos x="connsiteX9" y="connsiteY9"/>
+                      </a:cxn>
+                      <a:cxn ang="0">
+                        <a:pos x="connsiteX10" y="connsiteY10"/>
+                      </a:cxn>
+                      <a:cxn ang="0">
+                        <a:pos x="connsiteX11" y="connsiteY11"/>
+                      </a:cxn>
+                      <a:cxn ang="0">
+                        <a:pos x="connsiteX12" y="connsiteY12"/>
+                      </a:cxn>
+                      <a:cxn ang="0">
+                        <a:pos x="connsiteX13" y="connsiteY13"/>
+                      </a:cxn>
+                      <a:cxn ang="0">
+                        <a:pos x="connsiteX14" y="connsiteY14"/>
+                      </a:cxn>
+                      <a:cxn ang="0">
+                        <a:pos x="connsiteX15" y="connsiteY15"/>
+                      </a:cxn>
+                      <a:cxn ang="0">
+                        <a:pos x="connsiteX16" y="connsiteY16"/>
+                      </a:cxn>
+                      <a:cxn ang="0">
+                        <a:pos x="connsiteX17" y="connsiteY17"/>
+                      </a:cxn>
+                      <a:cxn ang="0">
+                        <a:pos x="connsiteX18" y="connsiteY18"/>
+                      </a:cxn>
+                      <a:cxn ang="0">
+                        <a:pos x="connsiteX19" y="connsiteY19"/>
+                      </a:cxn>
+                      <a:cxn ang="0">
+                        <a:pos x="connsiteX20" y="connsiteY20"/>
+                      </a:cxn>
+                      <a:cxn ang="0">
+                        <a:pos x="connsiteX21" y="connsiteY21"/>
+                      </a:cxn>
+                      <a:cxn ang="0">
+                        <a:pos x="connsiteX22" y="connsiteY22"/>
+                      </a:cxn>
+                      <a:cxn ang="0">
+                        <a:pos x="connsiteX23" y="connsiteY23"/>
+                      </a:cxn>
+                      <a:cxn ang="0">
+                        <a:pos x="connsiteX24" y="connsiteY24"/>
+                      </a:cxn>
+                      <a:cxn ang="0">
+                        <a:pos x="connsiteX25" y="connsiteY25"/>
+                      </a:cxn>
+                      <a:cxn ang="0">
+                        <a:pos x="connsiteX26" y="connsiteY26"/>
+                      </a:cxn>
+                      <a:cxn ang="0">
+                        <a:pos x="connsiteX27" y="connsiteY27"/>
+                      </a:cxn>
+                      <a:cxn ang="0">
+                        <a:pos x="connsiteX28" y="connsiteY28"/>
+                      </a:cxn>
+                      <a:cxn ang="0">
+                        <a:pos x="connsiteX29" y="connsiteY29"/>
+                      </a:cxn>
+                      <a:cxn ang="0">
+                        <a:pos x="connsiteX30" y="connsiteY30"/>
+                      </a:cxn>
+                      <a:cxn ang="0">
+                        <a:pos x="connsiteX31" y="connsiteY31"/>
+                      </a:cxn>
+                      <a:cxn ang="0">
+                        <a:pos x="connsiteX32" y="connsiteY32"/>
+                      </a:cxn>
+                    </a:cxnLst>
+                    <a:rect l="l" t="t" r="r" b="b"/>
+                    <a:pathLst>
+                      <a:path w="9474200" h="5558749" fill="none" extrusionOk="0">
+                        <a:moveTo>
+                          <a:pt x="0" y="2779375"/>
+                        </a:moveTo>
+                        <a:cubicBezTo>
+                          <a:pt x="223987" y="2637690"/>
+                          <a:pt x="416134" y="2524925"/>
+                          <a:pt x="544767" y="2459747"/>
+                        </a:cubicBezTo>
+                        <a:cubicBezTo>
+                          <a:pt x="673400" y="2394569"/>
+                          <a:pt x="800929" y="2278850"/>
+                          <a:pt x="1042162" y="2167913"/>
+                        </a:cubicBezTo>
+                        <a:cubicBezTo>
+                          <a:pt x="1283395" y="2056976"/>
+                          <a:pt x="1427732" y="1956057"/>
+                          <a:pt x="1634299" y="1820491"/>
+                        </a:cubicBezTo>
+                        <a:cubicBezTo>
+                          <a:pt x="1840866" y="1684926"/>
+                          <a:pt x="2036727" y="1569205"/>
+                          <a:pt x="2179066" y="1500863"/>
+                        </a:cubicBezTo>
+                        <a:cubicBezTo>
+                          <a:pt x="2321405" y="1432521"/>
+                          <a:pt x="2669452" y="1219486"/>
+                          <a:pt x="2865946" y="1097853"/>
+                        </a:cubicBezTo>
+                        <a:cubicBezTo>
+                          <a:pt x="3062440" y="976221"/>
+                          <a:pt x="3244074" y="885302"/>
+                          <a:pt x="3363341" y="806019"/>
+                        </a:cubicBezTo>
+                        <a:cubicBezTo>
+                          <a:pt x="3482608" y="726736"/>
+                          <a:pt x="3652369" y="657547"/>
+                          <a:pt x="3908108" y="486391"/>
+                        </a:cubicBezTo>
+                        <a:cubicBezTo>
+                          <a:pt x="4163846" y="315234"/>
+                          <a:pt x="4339487" y="263367"/>
+                          <a:pt x="4737100" y="0"/>
+                        </a:cubicBezTo>
+                        <a:cubicBezTo>
+                          <a:pt x="5047674" y="213628"/>
+                          <a:pt x="5201189" y="318214"/>
+                          <a:pt x="5423980" y="403009"/>
+                        </a:cubicBezTo>
+                        <a:cubicBezTo>
+                          <a:pt x="5646771" y="487805"/>
+                          <a:pt x="5836613" y="608681"/>
+                          <a:pt x="6110859" y="806019"/>
+                        </a:cubicBezTo>
+                        <a:cubicBezTo>
+                          <a:pt x="6385105" y="1003357"/>
+                          <a:pt x="6431062" y="972798"/>
+                          <a:pt x="6608254" y="1097853"/>
+                        </a:cubicBezTo>
+                        <a:cubicBezTo>
+                          <a:pt x="6785447" y="1222908"/>
+                          <a:pt x="6929259" y="1286213"/>
+                          <a:pt x="7105650" y="1389687"/>
+                        </a:cubicBezTo>
+                        <a:cubicBezTo>
+                          <a:pt x="7282041" y="1493162"/>
+                          <a:pt x="7561497" y="1674755"/>
+                          <a:pt x="7697788" y="1737109"/>
+                        </a:cubicBezTo>
+                        <a:cubicBezTo>
+                          <a:pt x="7834079" y="1799464"/>
+                          <a:pt x="7977755" y="1887974"/>
+                          <a:pt x="8242554" y="2056738"/>
+                        </a:cubicBezTo>
+                        <a:cubicBezTo>
+                          <a:pt x="8507353" y="2225502"/>
+                          <a:pt x="8654542" y="2265535"/>
+                          <a:pt x="8882063" y="2431953"/>
+                        </a:cubicBezTo>
+                        <a:cubicBezTo>
+                          <a:pt x="9109584" y="2598371"/>
+                          <a:pt x="9269120" y="2656050"/>
+                          <a:pt x="9474200" y="2779375"/>
+                        </a:cubicBezTo>
+                        <a:cubicBezTo>
+                          <a:pt x="9301342" y="2856599"/>
+                          <a:pt x="9190214" y="2943607"/>
+                          <a:pt x="8929434" y="3099003"/>
+                        </a:cubicBezTo>
+                        <a:cubicBezTo>
+                          <a:pt x="8668654" y="3254398"/>
+                          <a:pt x="8441464" y="3417808"/>
+                          <a:pt x="8242554" y="3502012"/>
+                        </a:cubicBezTo>
+                        <a:cubicBezTo>
+                          <a:pt x="8043644" y="3586216"/>
+                          <a:pt x="7959628" y="3679103"/>
+                          <a:pt x="7697788" y="3821640"/>
+                        </a:cubicBezTo>
+                        <a:cubicBezTo>
+                          <a:pt x="7435948" y="3964177"/>
+                          <a:pt x="7437396" y="3986108"/>
+                          <a:pt x="7247763" y="4085681"/>
+                        </a:cubicBezTo>
+                        <a:cubicBezTo>
+                          <a:pt x="7058130" y="4185254"/>
+                          <a:pt x="6951804" y="4249375"/>
+                          <a:pt x="6750368" y="4377515"/>
+                        </a:cubicBezTo>
+                        <a:cubicBezTo>
+                          <a:pt x="6548932" y="4505655"/>
+                          <a:pt x="6379389" y="4625035"/>
+                          <a:pt x="6252972" y="4669349"/>
+                        </a:cubicBezTo>
+                        <a:cubicBezTo>
+                          <a:pt x="6126555" y="4713663"/>
+                          <a:pt x="5889201" y="4883681"/>
+                          <a:pt x="5755577" y="4961184"/>
+                        </a:cubicBezTo>
+                        <a:cubicBezTo>
+                          <a:pt x="5621953" y="5038687"/>
+                          <a:pt x="5138163" y="5386542"/>
+                          <a:pt x="4737100" y="5558749"/>
+                        </a:cubicBezTo>
+                        <a:cubicBezTo>
+                          <a:pt x="4597008" y="5510169"/>
+                          <a:pt x="4314101" y="5315748"/>
+                          <a:pt x="4144963" y="5211327"/>
+                        </a:cubicBezTo>
+                        <a:cubicBezTo>
+                          <a:pt x="3975824" y="5106906"/>
+                          <a:pt x="3867253" y="5047404"/>
+                          <a:pt x="3694938" y="4947287"/>
+                        </a:cubicBezTo>
+                        <a:cubicBezTo>
+                          <a:pt x="3522624" y="4847169"/>
+                          <a:pt x="3325810" y="4733834"/>
+                          <a:pt x="3197543" y="4655452"/>
+                        </a:cubicBezTo>
+                        <a:cubicBezTo>
+                          <a:pt x="3069276" y="4577071"/>
+                          <a:pt x="2770841" y="4414151"/>
+                          <a:pt x="2605405" y="4308031"/>
+                        </a:cubicBezTo>
+                        <a:cubicBezTo>
+                          <a:pt x="2439969" y="4201911"/>
+                          <a:pt x="2190884" y="4100538"/>
+                          <a:pt x="2013268" y="3960609"/>
+                        </a:cubicBezTo>
+                        <a:cubicBezTo>
+                          <a:pt x="1835652" y="3820680"/>
+                          <a:pt x="1774890" y="3797824"/>
+                          <a:pt x="1563243" y="3696568"/>
+                        </a:cubicBezTo>
+                        <a:cubicBezTo>
+                          <a:pt x="1351597" y="3595312"/>
+                          <a:pt x="1284033" y="3544298"/>
+                          <a:pt x="1018477" y="3376940"/>
+                        </a:cubicBezTo>
+                        <a:cubicBezTo>
+                          <a:pt x="752920" y="3209582"/>
+                          <a:pt x="441266" y="3021890"/>
+                          <a:pt x="0" y="2779375"/>
+                        </a:cubicBezTo>
+                        <a:close/>
+                      </a:path>
+                      <a:path w="9474200" h="5558749" stroke="0" extrusionOk="0">
+                        <a:moveTo>
+                          <a:pt x="0" y="2779375"/>
+                        </a:moveTo>
+                        <a:cubicBezTo>
+                          <a:pt x="158441" y="2693527"/>
+                          <a:pt x="426691" y="2566163"/>
+                          <a:pt x="686880" y="2376366"/>
+                        </a:cubicBezTo>
+                        <a:cubicBezTo>
+                          <a:pt x="947069" y="2186568"/>
+                          <a:pt x="992098" y="2217618"/>
+                          <a:pt x="1279017" y="2028944"/>
+                        </a:cubicBezTo>
+                        <a:cubicBezTo>
+                          <a:pt x="1565936" y="1840270"/>
+                          <a:pt x="1665251" y="1810834"/>
+                          <a:pt x="1776413" y="1737109"/>
+                        </a:cubicBezTo>
+                        <a:cubicBezTo>
+                          <a:pt x="1887575" y="1663384"/>
+                          <a:pt x="2180006" y="1495446"/>
+                          <a:pt x="2368550" y="1389688"/>
+                        </a:cubicBezTo>
+                        <a:cubicBezTo>
+                          <a:pt x="2557094" y="1283930"/>
+                          <a:pt x="2925583" y="1091054"/>
+                          <a:pt x="3055430" y="986678"/>
+                        </a:cubicBezTo>
+                        <a:cubicBezTo>
+                          <a:pt x="3185277" y="882302"/>
+                          <a:pt x="3356090" y="841022"/>
+                          <a:pt x="3552825" y="694844"/>
+                        </a:cubicBezTo>
+                        <a:cubicBezTo>
+                          <a:pt x="3749560" y="548666"/>
+                          <a:pt x="3803960" y="570065"/>
+                          <a:pt x="4002850" y="430803"/>
+                        </a:cubicBezTo>
+                        <a:cubicBezTo>
+                          <a:pt x="4201740" y="291541"/>
+                          <a:pt x="4581073" y="101231"/>
+                          <a:pt x="4737100" y="0"/>
+                        </a:cubicBezTo>
+                        <a:cubicBezTo>
+                          <a:pt x="4948304" y="140037"/>
+                          <a:pt x="5148248" y="212468"/>
+                          <a:pt x="5329238" y="347422"/>
+                        </a:cubicBezTo>
+                        <a:cubicBezTo>
+                          <a:pt x="5510228" y="482376"/>
+                          <a:pt x="5798379" y="613426"/>
+                          <a:pt x="5968746" y="722638"/>
+                        </a:cubicBezTo>
+                        <a:cubicBezTo>
+                          <a:pt x="6139113" y="831849"/>
+                          <a:pt x="6260710" y="915864"/>
+                          <a:pt x="6513513" y="1042266"/>
+                        </a:cubicBezTo>
+                        <a:cubicBezTo>
+                          <a:pt x="6766316" y="1168668"/>
+                          <a:pt x="6945212" y="1288346"/>
+                          <a:pt x="7058279" y="1361894"/>
+                        </a:cubicBezTo>
+                        <a:cubicBezTo>
+                          <a:pt x="7171346" y="1435442"/>
+                          <a:pt x="7463247" y="1605588"/>
+                          <a:pt x="7697788" y="1737109"/>
+                        </a:cubicBezTo>
+                        <a:cubicBezTo>
+                          <a:pt x="7932329" y="1868631"/>
+                          <a:pt x="8035554" y="1955931"/>
+                          <a:pt x="8242554" y="2056738"/>
+                        </a:cubicBezTo>
+                        <a:cubicBezTo>
+                          <a:pt x="8449554" y="2157545"/>
+                          <a:pt x="8576051" y="2285403"/>
+                          <a:pt x="8739950" y="2348572"/>
+                        </a:cubicBezTo>
+                        <a:cubicBezTo>
+                          <a:pt x="8903849" y="2411741"/>
+                          <a:pt x="9229169" y="2629534"/>
+                          <a:pt x="9474200" y="2779375"/>
+                        </a:cubicBezTo>
+                        <a:cubicBezTo>
+                          <a:pt x="9315132" y="2871406"/>
+                          <a:pt x="9066245" y="3018535"/>
+                          <a:pt x="8929434" y="3099003"/>
+                        </a:cubicBezTo>
+                        <a:cubicBezTo>
+                          <a:pt x="8792623" y="3179471"/>
+                          <a:pt x="8578743" y="3323947"/>
+                          <a:pt x="8337296" y="3446425"/>
+                        </a:cubicBezTo>
+                        <a:cubicBezTo>
+                          <a:pt x="8095849" y="3568902"/>
+                          <a:pt x="7987379" y="3622858"/>
+                          <a:pt x="7887272" y="3710465"/>
+                        </a:cubicBezTo>
+                        <a:cubicBezTo>
+                          <a:pt x="7787165" y="3798073"/>
+                          <a:pt x="7413905" y="3965735"/>
+                          <a:pt x="7295134" y="4057887"/>
+                        </a:cubicBezTo>
+                        <a:cubicBezTo>
+                          <a:pt x="7176363" y="4150039"/>
+                          <a:pt x="6924871" y="4259654"/>
+                          <a:pt x="6608255" y="4460896"/>
+                        </a:cubicBezTo>
+                        <a:cubicBezTo>
+                          <a:pt x="6291639" y="4662138"/>
+                          <a:pt x="6247655" y="4642455"/>
+                          <a:pt x="5921375" y="4863906"/>
+                        </a:cubicBezTo>
+                        <a:cubicBezTo>
+                          <a:pt x="5595095" y="5085357"/>
+                          <a:pt x="5597315" y="5033708"/>
+                          <a:pt x="5329238" y="5211327"/>
+                        </a:cubicBezTo>
+                        <a:cubicBezTo>
+                          <a:pt x="5061161" y="5388946"/>
+                          <a:pt x="4955340" y="5464455"/>
+                          <a:pt x="4737100" y="5558749"/>
+                        </a:cubicBezTo>
+                        <a:cubicBezTo>
+                          <a:pt x="4556758" y="5461217"/>
+                          <a:pt x="4214883" y="5285696"/>
+                          <a:pt x="4097592" y="5183534"/>
+                        </a:cubicBezTo>
+                        <a:cubicBezTo>
+                          <a:pt x="3980301" y="5081372"/>
+                          <a:pt x="3625237" y="4878792"/>
+                          <a:pt x="3410712" y="4780524"/>
+                        </a:cubicBezTo>
+                        <a:cubicBezTo>
+                          <a:pt x="3196187" y="4682256"/>
+                          <a:pt x="2966307" y="4555120"/>
+                          <a:pt x="2865946" y="4460896"/>
+                        </a:cubicBezTo>
+                        <a:cubicBezTo>
+                          <a:pt x="2765585" y="4366672"/>
+                          <a:pt x="2519613" y="4269716"/>
+                          <a:pt x="2368550" y="4169062"/>
+                        </a:cubicBezTo>
+                        <a:cubicBezTo>
+                          <a:pt x="2217487" y="4068407"/>
+                          <a:pt x="1932141" y="3908089"/>
+                          <a:pt x="1776413" y="3821640"/>
+                        </a:cubicBezTo>
+                        <a:cubicBezTo>
+                          <a:pt x="1620685" y="3735191"/>
+                          <a:pt x="1535234" y="3699144"/>
+                          <a:pt x="1326388" y="3557600"/>
+                        </a:cubicBezTo>
+                        <a:cubicBezTo>
+                          <a:pt x="1117543" y="3416055"/>
+                          <a:pt x="947384" y="3322013"/>
+                          <a:pt x="639509" y="3154590"/>
+                        </a:cubicBezTo>
+                        <a:cubicBezTo>
+                          <a:pt x="331634" y="2987167"/>
+                          <a:pt x="274427" y="2912597"/>
+                          <a:pt x="0" y="2779375"/>
+                        </a:cubicBezTo>
+                        <a:close/>
+                      </a:path>
+                    </a:pathLst>
+                  </a:custGeom>
                   <ask:type>
-                    <ask:lineSketchFreehand/>
+                    <ask:lineSketchNone/>
                   </ask:type>
                 </ask:lineSketchStyleProps>
               </a:ext>
@@ -4448,14 +4448,37 @@
           </a:bodyPr>
           <a:lstStyle/>
           <a:p>
-            <a:pPr algn="ctr"/>
+            <a:r>
+              <a:rPr kumimoji="1" lang="zh-CN" altLang="en-US" sz="3200" dirty="0">
+                <a:latin typeface="Apple LiGothic Medium" pitchFamily="2" charset="-120"/>
+                <a:ea typeface="Apple LiGothic Medium" pitchFamily="2" charset="-120"/>
+                <a:cs typeface="Arial Narrow" panose="020B0604020202020204" pitchFamily="34" charset="0"/>
+              </a:rPr>
+              <a:t>                             </a:t>
+            </a:r>
             <a:r>
               <a:rPr kumimoji="1" lang="en-US" altLang="zh-CN" sz="3200" dirty="0">
                 <a:latin typeface="Apple LiGothic Medium" pitchFamily="2" charset="-120"/>
                 <a:ea typeface="Apple LiGothic Medium" pitchFamily="2" charset="-120"/>
                 <a:cs typeface="Arial Narrow" panose="020B0604020202020204" pitchFamily="34" charset="0"/>
               </a:rPr>
-              <a:t>PRISMATIC  Framework</a:t>
+              <a:t>PRISMATIC  </a:t>
+            </a:r>
+            <a:r>
+              <a:rPr kumimoji="1" lang="zh-CN" altLang="en-US" sz="3200" dirty="0">
+                <a:latin typeface="Apple LiGothic Medium" pitchFamily="2" charset="-120"/>
+                <a:ea typeface="Apple LiGothic Medium" pitchFamily="2" charset="-120"/>
+                <a:cs typeface="Arial Narrow" panose="020B0604020202020204" pitchFamily="34" charset="0"/>
+              </a:rPr>
+              <a:t>   </a:t>
+            </a:r>
+            <a:r>
+              <a:rPr kumimoji="1" lang="en-US" altLang="zh-CN" sz="3200" dirty="0">
+                <a:latin typeface="Apple LiGothic Medium" pitchFamily="2" charset="-120"/>
+                <a:ea typeface="Apple LiGothic Medium" pitchFamily="2" charset="-120"/>
+                <a:cs typeface="Arial Narrow" panose="020B0604020202020204" pitchFamily="34" charset="0"/>
+              </a:rPr>
+              <a:t>Framework</a:t>
             </a:r>
           </a:p>
           <a:p>
@@ -5546,7 +5569,7 @@
         </p:nvSpPr>
         <p:spPr>
           <a:xfrm>
-            <a:off x="4903380" y="620553"/>
+            <a:off x="4826006" y="620553"/>
             <a:ext cx="2258952" cy="707886"/>
           </a:xfrm>
           <a:prstGeom prst="rect">
@@ -7110,7 +7133,7 @@
         </p:nvSpPr>
         <p:spPr>
           <a:xfrm>
-            <a:off x="8502951" y="620553"/>
+            <a:off x="8439645" y="620553"/>
             <a:ext cx="1765291" cy="707886"/>
           </a:xfrm>
           <a:prstGeom prst="rect">
@@ -7809,6 +7832,36 @@
           </a:p>
         </p:txBody>
       </p:sp>
+      <p:pic>
+        <p:nvPicPr>
+          <p:cNvPr id="3" name="图片 2">
+            <a:extLst>
+              <a:ext uri="{FF2B5EF4-FFF2-40B4-BE49-F238E27FC236}">
+                <a16:creationId xmlns:a16="http://schemas.microsoft.com/office/drawing/2014/main" id="{BF7D2925-C909-099D-D4E6-FFCCBD7C7BEB}"/>
+              </a:ext>
+            </a:extLst>
+          </p:cNvPr>
+          <p:cNvPicPr>
+            <a:picLocks noChangeAspect="1"/>
+          </p:cNvPicPr>
+          <p:nvPr/>
+        </p:nvPicPr>
+        <p:blipFill>
+          <a:blip r:embed="rId17"/>
+          <a:stretch>
+            <a:fillRect/>
+          </a:stretch>
+        </p:blipFill>
+        <p:spPr>
+          <a:xfrm>
+            <a:off x="5572396" y="5700050"/>
+            <a:ext cx="663477" cy="663477"/>
+          </a:xfrm>
+          <a:prstGeom prst="rect">
+            <a:avLst/>
+          </a:prstGeom>
+        </p:spPr>
+      </p:pic>
     </p:spTree>
     <p:extLst>
       <p:ext uri="{BB962C8B-B14F-4D97-AF65-F5344CB8AC3E}">
